--- a/Mobile Communication system/MCS-Part2/MCSLecture 6new.pptx
+++ b/Mobile Communication system/MCS-Part2/MCSLecture 6new.pptx
@@ -270,7 +270,7 @@
               <a:pPr>
                 <a:defRPr/>
               </a:pPr>
-              <a:t>29/09/2020</a:t>
+              <a:t>09/12/2021</a:t>
             </a:fld>
             <a:endParaRPr lang="en-GB"/>
           </a:p>
@@ -516,7 +516,7 @@
           </a:ln>
           <a:extLst>
             <a:ext uri="{909E8E84-426E-40dd-AFC4-6F175D3DCCD1}">
-              <a14:hiddenFill xmlns:a14="http://schemas.microsoft.com/office/drawing/2010/main" xmlns="">
+              <a14:hiddenFill xmlns="" xmlns:a14="http://schemas.microsoft.com/office/drawing/2010/main">
                 <a:solidFill>
                   <a:srgbClr val="FFFFFF"/>
                 </a:solidFill>
@@ -871,14 +871,14 @@
           </a:ln>
           <a:extLst>
             <a:ext uri="{909E8E84-426E-40dd-AFC4-6F175D3DCCD1}">
-              <a14:hiddenFill xmlns:a14="http://schemas.microsoft.com/office/drawing/2010/main" xmlns="">
+              <a14:hiddenFill xmlns="" xmlns:a14="http://schemas.microsoft.com/office/drawing/2010/main">
                 <a:solidFill>
                   <a:srgbClr val="FFFFFF"/>
                 </a:solidFill>
               </a14:hiddenFill>
             </a:ext>
             <a:ext uri="{91240B29-F687-4f45-9708-019B960494DF}">
-              <a14:hiddenLine xmlns:a14="http://schemas.microsoft.com/office/drawing/2010/main" xmlns="" w="9525">
+              <a14:hiddenLine xmlns="" xmlns:a14="http://schemas.microsoft.com/office/drawing/2010/main" w="9525">
                 <a:solidFill>
                   <a:srgbClr val="000000"/>
                 </a:solidFill>
@@ -1053,14 +1053,14 @@
           <a:ln/>
           <a:extLst>
             <a:ext uri="{909E8E84-426E-40dd-AFC4-6F175D3DCCD1}">
-              <a14:hiddenFill xmlns:a14="http://schemas.microsoft.com/office/drawing/2010/main" xmlns="">
+              <a14:hiddenFill xmlns="" xmlns:a14="http://schemas.microsoft.com/office/drawing/2010/main">
                 <a:solidFill>
                   <a:srgbClr val="FFFFFF"/>
                 </a:solidFill>
               </a14:hiddenFill>
             </a:ext>
             <a:ext uri="{91240B29-F687-4f45-9708-019B960494DF}">
-              <a14:hiddenLine xmlns:a14="http://schemas.microsoft.com/office/drawing/2010/main" xmlns="" w="9525">
+              <a14:hiddenLine xmlns="" xmlns:a14="http://schemas.microsoft.com/office/drawing/2010/main" w="9525">
                 <a:solidFill>
                   <a:srgbClr val="000000"/>
                 </a:solidFill>
@@ -1088,6 +1088,456 @@
     <p:extLst>
       <p:ext uri="{BB962C8B-B14F-4D97-AF65-F5344CB8AC3E}">
         <p14:creationId xmlns:p14="http://schemas.microsoft.com/office/powerpoint/2010/main" val="1032677849"/>
+      </p:ext>
+    </p:extLst>
+  </p:cSld>
+  <p:clrMapOvr>
+    <a:masterClrMapping/>
+  </p:clrMapOvr>
+</p:notes>
+</file>
+
+<file path=ppt/notesSlides/notesSlide2.xml><?xml version="1.0" encoding="utf-8"?>
+<p:notes xmlns:a="http://schemas.openxmlformats.org/drawingml/2006/main" xmlns:r="http://schemas.openxmlformats.org/officeDocument/2006/relationships" xmlns:p="http://schemas.openxmlformats.org/presentationml/2006/main">
+  <p:cSld>
+    <p:spTree>
+      <p:nvGrpSpPr>
+        <p:cNvPr id="1" name=""/>
+        <p:cNvGrpSpPr/>
+        <p:nvPr/>
+      </p:nvGrpSpPr>
+      <p:grpSpPr>
+        <a:xfrm>
+          <a:off x="0" y="0"/>
+          <a:ext cx="0" cy="0"/>
+          <a:chOff x="0" y="0"/>
+          <a:chExt cx="0" cy="0"/>
+        </a:xfrm>
+      </p:grpSpPr>
+      <p:sp>
+        <p:nvSpPr>
+          <p:cNvPr id="2" name="Slide Image Placeholder 1"/>
+          <p:cNvSpPr>
+            <a:spLocks noGrp="1" noRot="1" noChangeAspect="1"/>
+          </p:cNvSpPr>
+          <p:nvPr>
+            <p:ph type="sldImg"/>
+          </p:nvPr>
+        </p:nvSpPr>
+        <p:spPr/>
+      </p:sp>
+      <p:sp>
+        <p:nvSpPr>
+          <p:cNvPr id="3" name="Notes Placeholder 2"/>
+          <p:cNvSpPr>
+            <a:spLocks noGrp="1"/>
+          </p:cNvSpPr>
+          <p:nvPr>
+            <p:ph type="body" idx="1"/>
+          </p:nvPr>
+        </p:nvSpPr>
+        <p:spPr/>
+        <p:txBody>
+          <a:bodyPr/>
+          <a:lstStyle/>
+          <a:p>
+            <a:endParaRPr lang="en-US" dirty="0"/>
+          </a:p>
+        </p:txBody>
+      </p:sp>
+      <p:sp>
+        <p:nvSpPr>
+          <p:cNvPr id="4" name="Slide Number Placeholder 3"/>
+          <p:cNvSpPr>
+            <a:spLocks noGrp="1"/>
+          </p:cNvSpPr>
+          <p:nvPr>
+            <p:ph type="sldNum" sz="quarter" idx="5"/>
+          </p:nvPr>
+        </p:nvSpPr>
+        <p:spPr/>
+        <p:txBody>
+          <a:bodyPr/>
+          <a:lstStyle/>
+          <a:p>
+            <a:pPr>
+              <a:defRPr/>
+            </a:pPr>
+            <a:fld id="{8A02002F-36B9-4F2F-A2C3-5E0234098ED2}" type="slidenum">
+              <a:rPr lang="en-GB" smtClean="0"/>
+              <a:pPr>
+                <a:defRPr/>
+              </a:pPr>
+              <a:t>6</a:t>
+            </a:fld>
+            <a:endParaRPr lang="en-GB"/>
+          </a:p>
+        </p:txBody>
+      </p:sp>
+    </p:spTree>
+    <p:extLst>
+      <p:ext uri="{BB962C8B-B14F-4D97-AF65-F5344CB8AC3E}">
+        <p14:creationId xmlns:p14="http://schemas.microsoft.com/office/powerpoint/2010/main" val="1107165434"/>
+      </p:ext>
+    </p:extLst>
+  </p:cSld>
+  <p:clrMapOvr>
+    <a:masterClrMapping/>
+  </p:clrMapOvr>
+</p:notes>
+</file>
+
+<file path=ppt/notesSlides/notesSlide3.xml><?xml version="1.0" encoding="utf-8"?>
+<p:notes xmlns:a="http://schemas.openxmlformats.org/drawingml/2006/main" xmlns:r="http://schemas.openxmlformats.org/officeDocument/2006/relationships" xmlns:p="http://schemas.openxmlformats.org/presentationml/2006/main">
+  <p:cSld>
+    <p:spTree>
+      <p:nvGrpSpPr>
+        <p:cNvPr id="1" name=""/>
+        <p:cNvGrpSpPr/>
+        <p:nvPr/>
+      </p:nvGrpSpPr>
+      <p:grpSpPr>
+        <a:xfrm>
+          <a:off x="0" y="0"/>
+          <a:ext cx="0" cy="0"/>
+          <a:chOff x="0" y="0"/>
+          <a:chExt cx="0" cy="0"/>
+        </a:xfrm>
+      </p:grpSpPr>
+      <p:sp>
+        <p:nvSpPr>
+          <p:cNvPr id="2" name="Slide Image Placeholder 1"/>
+          <p:cNvSpPr>
+            <a:spLocks noGrp="1" noRot="1" noChangeAspect="1"/>
+          </p:cNvSpPr>
+          <p:nvPr>
+            <p:ph type="sldImg"/>
+          </p:nvPr>
+        </p:nvSpPr>
+        <p:spPr/>
+      </p:sp>
+      <p:sp>
+        <p:nvSpPr>
+          <p:cNvPr id="3" name="Notes Placeholder 2"/>
+          <p:cNvSpPr>
+            <a:spLocks noGrp="1"/>
+          </p:cNvSpPr>
+          <p:nvPr>
+            <p:ph type="body" idx="1"/>
+          </p:nvPr>
+        </p:nvSpPr>
+        <p:spPr/>
+        <p:txBody>
+          <a:bodyPr/>
+          <a:lstStyle/>
+          <a:p>
+            <a:endParaRPr lang="en-US" dirty="0"/>
+          </a:p>
+        </p:txBody>
+      </p:sp>
+      <p:sp>
+        <p:nvSpPr>
+          <p:cNvPr id="4" name="Slide Number Placeholder 3"/>
+          <p:cNvSpPr>
+            <a:spLocks noGrp="1"/>
+          </p:cNvSpPr>
+          <p:nvPr>
+            <p:ph type="sldNum" sz="quarter" idx="5"/>
+          </p:nvPr>
+        </p:nvSpPr>
+        <p:spPr/>
+        <p:txBody>
+          <a:bodyPr/>
+          <a:lstStyle/>
+          <a:p>
+            <a:pPr>
+              <a:defRPr/>
+            </a:pPr>
+            <a:fld id="{8A02002F-36B9-4F2F-A2C3-5E0234098ED2}" type="slidenum">
+              <a:rPr lang="en-GB" smtClean="0"/>
+              <a:pPr>
+                <a:defRPr/>
+              </a:pPr>
+              <a:t>7</a:t>
+            </a:fld>
+            <a:endParaRPr lang="en-GB"/>
+          </a:p>
+        </p:txBody>
+      </p:sp>
+    </p:spTree>
+    <p:extLst>
+      <p:ext uri="{BB962C8B-B14F-4D97-AF65-F5344CB8AC3E}">
+        <p14:creationId xmlns:p14="http://schemas.microsoft.com/office/powerpoint/2010/main" val="4251175857"/>
+      </p:ext>
+    </p:extLst>
+  </p:cSld>
+  <p:clrMapOvr>
+    <a:masterClrMapping/>
+  </p:clrMapOvr>
+</p:notes>
+</file>
+
+<file path=ppt/notesSlides/notesSlide4.xml><?xml version="1.0" encoding="utf-8"?>
+<p:notes xmlns:a="http://schemas.openxmlformats.org/drawingml/2006/main" xmlns:r="http://schemas.openxmlformats.org/officeDocument/2006/relationships" xmlns:p="http://schemas.openxmlformats.org/presentationml/2006/main">
+  <p:cSld>
+    <p:spTree>
+      <p:nvGrpSpPr>
+        <p:cNvPr id="1" name=""/>
+        <p:cNvGrpSpPr/>
+        <p:nvPr/>
+      </p:nvGrpSpPr>
+      <p:grpSpPr>
+        <a:xfrm>
+          <a:off x="0" y="0"/>
+          <a:ext cx="0" cy="0"/>
+          <a:chOff x="0" y="0"/>
+          <a:chExt cx="0" cy="0"/>
+        </a:xfrm>
+      </p:grpSpPr>
+      <p:sp>
+        <p:nvSpPr>
+          <p:cNvPr id="2" name="Slide Image Placeholder 1"/>
+          <p:cNvSpPr>
+            <a:spLocks noGrp="1" noRot="1" noChangeAspect="1"/>
+          </p:cNvSpPr>
+          <p:nvPr>
+            <p:ph type="sldImg"/>
+          </p:nvPr>
+        </p:nvSpPr>
+        <p:spPr/>
+      </p:sp>
+      <p:sp>
+        <p:nvSpPr>
+          <p:cNvPr id="3" name="Notes Placeholder 2"/>
+          <p:cNvSpPr>
+            <a:spLocks noGrp="1"/>
+          </p:cNvSpPr>
+          <p:nvPr>
+            <p:ph type="body" idx="1"/>
+          </p:nvPr>
+        </p:nvSpPr>
+        <p:spPr/>
+        <p:txBody>
+          <a:bodyPr/>
+          <a:lstStyle/>
+          <a:p>
+            <a:endParaRPr lang="en-US" dirty="0"/>
+          </a:p>
+        </p:txBody>
+      </p:sp>
+      <p:sp>
+        <p:nvSpPr>
+          <p:cNvPr id="4" name="Slide Number Placeholder 3"/>
+          <p:cNvSpPr>
+            <a:spLocks noGrp="1"/>
+          </p:cNvSpPr>
+          <p:nvPr>
+            <p:ph type="sldNum" sz="quarter" idx="5"/>
+          </p:nvPr>
+        </p:nvSpPr>
+        <p:spPr/>
+        <p:txBody>
+          <a:bodyPr/>
+          <a:lstStyle/>
+          <a:p>
+            <a:pPr>
+              <a:defRPr/>
+            </a:pPr>
+            <a:fld id="{8A02002F-36B9-4F2F-A2C3-5E0234098ED2}" type="slidenum">
+              <a:rPr lang="en-GB" smtClean="0"/>
+              <a:pPr>
+                <a:defRPr/>
+              </a:pPr>
+              <a:t>8</a:t>
+            </a:fld>
+            <a:endParaRPr lang="en-GB"/>
+          </a:p>
+        </p:txBody>
+      </p:sp>
+    </p:spTree>
+    <p:extLst>
+      <p:ext uri="{BB962C8B-B14F-4D97-AF65-F5344CB8AC3E}">
+        <p14:creationId xmlns:p14="http://schemas.microsoft.com/office/powerpoint/2010/main" val="47681241"/>
+      </p:ext>
+    </p:extLst>
+  </p:cSld>
+  <p:clrMapOvr>
+    <a:masterClrMapping/>
+  </p:clrMapOvr>
+</p:notes>
+</file>
+
+<file path=ppt/notesSlides/notesSlide5.xml><?xml version="1.0" encoding="utf-8"?>
+<p:notes xmlns:a="http://schemas.openxmlformats.org/drawingml/2006/main" xmlns:r="http://schemas.openxmlformats.org/officeDocument/2006/relationships" xmlns:p="http://schemas.openxmlformats.org/presentationml/2006/main">
+  <p:cSld>
+    <p:spTree>
+      <p:nvGrpSpPr>
+        <p:cNvPr id="1" name=""/>
+        <p:cNvGrpSpPr/>
+        <p:nvPr/>
+      </p:nvGrpSpPr>
+      <p:grpSpPr>
+        <a:xfrm>
+          <a:off x="0" y="0"/>
+          <a:ext cx="0" cy="0"/>
+          <a:chOff x="0" y="0"/>
+          <a:chExt cx="0" cy="0"/>
+        </a:xfrm>
+      </p:grpSpPr>
+      <p:sp>
+        <p:nvSpPr>
+          <p:cNvPr id="2" name="Slide Image Placeholder 1"/>
+          <p:cNvSpPr>
+            <a:spLocks noGrp="1" noRot="1" noChangeAspect="1"/>
+          </p:cNvSpPr>
+          <p:nvPr>
+            <p:ph type="sldImg"/>
+          </p:nvPr>
+        </p:nvSpPr>
+        <p:spPr/>
+      </p:sp>
+      <p:sp>
+        <p:nvSpPr>
+          <p:cNvPr id="3" name="Notes Placeholder 2"/>
+          <p:cNvSpPr>
+            <a:spLocks noGrp="1"/>
+          </p:cNvSpPr>
+          <p:nvPr>
+            <p:ph type="body" idx="1"/>
+          </p:nvPr>
+        </p:nvSpPr>
+        <p:spPr/>
+        <p:txBody>
+          <a:bodyPr/>
+          <a:lstStyle/>
+          <a:p>
+            <a:endParaRPr lang="en-US" dirty="0"/>
+          </a:p>
+        </p:txBody>
+      </p:sp>
+      <p:sp>
+        <p:nvSpPr>
+          <p:cNvPr id="4" name="Slide Number Placeholder 3"/>
+          <p:cNvSpPr>
+            <a:spLocks noGrp="1"/>
+          </p:cNvSpPr>
+          <p:nvPr>
+            <p:ph type="sldNum" sz="quarter" idx="5"/>
+          </p:nvPr>
+        </p:nvSpPr>
+        <p:spPr/>
+        <p:txBody>
+          <a:bodyPr/>
+          <a:lstStyle/>
+          <a:p>
+            <a:pPr>
+              <a:defRPr/>
+            </a:pPr>
+            <a:fld id="{8A02002F-36B9-4F2F-A2C3-5E0234098ED2}" type="slidenum">
+              <a:rPr lang="en-GB" smtClean="0"/>
+              <a:pPr>
+                <a:defRPr/>
+              </a:pPr>
+              <a:t>10</a:t>
+            </a:fld>
+            <a:endParaRPr lang="en-GB"/>
+          </a:p>
+        </p:txBody>
+      </p:sp>
+    </p:spTree>
+    <p:extLst>
+      <p:ext uri="{BB962C8B-B14F-4D97-AF65-F5344CB8AC3E}">
+        <p14:creationId xmlns:p14="http://schemas.microsoft.com/office/powerpoint/2010/main" val="3646025235"/>
+      </p:ext>
+    </p:extLst>
+  </p:cSld>
+  <p:clrMapOvr>
+    <a:masterClrMapping/>
+  </p:clrMapOvr>
+</p:notes>
+</file>
+
+<file path=ppt/notesSlides/notesSlide6.xml><?xml version="1.0" encoding="utf-8"?>
+<p:notes xmlns:a="http://schemas.openxmlformats.org/drawingml/2006/main" xmlns:r="http://schemas.openxmlformats.org/officeDocument/2006/relationships" xmlns:p="http://schemas.openxmlformats.org/presentationml/2006/main">
+  <p:cSld>
+    <p:spTree>
+      <p:nvGrpSpPr>
+        <p:cNvPr id="1" name=""/>
+        <p:cNvGrpSpPr/>
+        <p:nvPr/>
+      </p:nvGrpSpPr>
+      <p:grpSpPr>
+        <a:xfrm>
+          <a:off x="0" y="0"/>
+          <a:ext cx="0" cy="0"/>
+          <a:chOff x="0" y="0"/>
+          <a:chExt cx="0" cy="0"/>
+        </a:xfrm>
+      </p:grpSpPr>
+      <p:sp>
+        <p:nvSpPr>
+          <p:cNvPr id="2" name="Slide Image Placeholder 1"/>
+          <p:cNvSpPr>
+            <a:spLocks noGrp="1" noRot="1" noChangeAspect="1"/>
+          </p:cNvSpPr>
+          <p:nvPr>
+            <p:ph type="sldImg"/>
+          </p:nvPr>
+        </p:nvSpPr>
+        <p:spPr/>
+      </p:sp>
+      <p:sp>
+        <p:nvSpPr>
+          <p:cNvPr id="3" name="Notes Placeholder 2"/>
+          <p:cNvSpPr>
+            <a:spLocks noGrp="1"/>
+          </p:cNvSpPr>
+          <p:nvPr>
+            <p:ph type="body" idx="1"/>
+          </p:nvPr>
+        </p:nvSpPr>
+        <p:spPr/>
+        <p:txBody>
+          <a:bodyPr/>
+          <a:lstStyle/>
+          <a:p>
+            <a:endParaRPr lang="en-US" dirty="0"/>
+          </a:p>
+        </p:txBody>
+      </p:sp>
+      <p:sp>
+        <p:nvSpPr>
+          <p:cNvPr id="4" name="Slide Number Placeholder 3"/>
+          <p:cNvSpPr>
+            <a:spLocks noGrp="1"/>
+          </p:cNvSpPr>
+          <p:nvPr>
+            <p:ph type="sldNum" sz="quarter" idx="5"/>
+          </p:nvPr>
+        </p:nvSpPr>
+        <p:spPr/>
+        <p:txBody>
+          <a:bodyPr/>
+          <a:lstStyle/>
+          <a:p>
+            <a:pPr>
+              <a:defRPr/>
+            </a:pPr>
+            <a:fld id="{8A02002F-36B9-4F2F-A2C3-5E0234098ED2}" type="slidenum">
+              <a:rPr lang="en-GB" smtClean="0"/>
+              <a:pPr>
+                <a:defRPr/>
+              </a:pPr>
+              <a:t>13</a:t>
+            </a:fld>
+            <a:endParaRPr lang="en-GB"/>
+          </a:p>
+        </p:txBody>
+      </p:sp>
+    </p:spTree>
+    <p:extLst>
+      <p:ext uri="{BB962C8B-B14F-4D97-AF65-F5344CB8AC3E}">
+        <p14:creationId xmlns:p14="http://schemas.microsoft.com/office/powerpoint/2010/main" val="3489586222"/>
       </p:ext>
     </p:extLst>
   </p:cSld>
@@ -1149,14 +1599,14 @@
           </a:ln>
           <a:extLst>
             <a:ext uri="{909E8E84-426E-40dd-AFC4-6F175D3DCCD1}">
-              <a14:hiddenFill xmlns:a14="http://schemas.microsoft.com/office/drawing/2010/main" xmlns="">
+              <a14:hiddenFill xmlns="" xmlns:a14="http://schemas.microsoft.com/office/drawing/2010/main">
                 <a:solidFill>
                   <a:srgbClr val="FFFFFF"/>
                 </a:solidFill>
               </a14:hiddenFill>
             </a:ext>
             <a:ext uri="{91240B29-F687-4f45-9708-019B960494DF}">
-              <a14:hiddenLine xmlns:a14="http://schemas.microsoft.com/office/drawing/2010/main" xmlns="" w="9525">
+              <a14:hiddenLine xmlns="" xmlns:a14="http://schemas.microsoft.com/office/drawing/2010/main" w="9525">
                 <a:solidFill>
                   <a:srgbClr val="000000"/>
                 </a:solidFill>
@@ -1203,14 +1653,14 @@
           </a:ln>
           <a:extLst>
             <a:ext uri="{909E8E84-426E-40dd-AFC4-6F175D3DCCD1}">
-              <a14:hiddenFill xmlns:a14="http://schemas.microsoft.com/office/drawing/2010/main" xmlns="">
+              <a14:hiddenFill xmlns="" xmlns:a14="http://schemas.microsoft.com/office/drawing/2010/main">
                 <a:solidFill>
                   <a:srgbClr val="FFFFFF"/>
                 </a:solidFill>
               </a14:hiddenFill>
             </a:ext>
             <a:ext uri="{91240B29-F687-4f45-9708-019B960494DF}">
-              <a14:hiddenLine xmlns:a14="http://schemas.microsoft.com/office/drawing/2010/main" xmlns="" w="9525">
+              <a14:hiddenLine xmlns="" xmlns:a14="http://schemas.microsoft.com/office/drawing/2010/main" w="9525">
                 <a:solidFill>
                   <a:srgbClr val="000000"/>
                 </a:solidFill>
@@ -1257,14 +1707,14 @@
           </a:ln>
           <a:extLst>
             <a:ext uri="{909E8E84-426E-40dd-AFC4-6F175D3DCCD1}">
-              <a14:hiddenFill xmlns:a14="http://schemas.microsoft.com/office/drawing/2010/main" xmlns="">
+              <a14:hiddenFill xmlns="" xmlns:a14="http://schemas.microsoft.com/office/drawing/2010/main">
                 <a:solidFill>
                   <a:srgbClr val="FFFFFF"/>
                 </a:solidFill>
               </a14:hiddenFill>
             </a:ext>
             <a:ext uri="{91240B29-F687-4f45-9708-019B960494DF}">
-              <a14:hiddenLine xmlns:a14="http://schemas.microsoft.com/office/drawing/2010/main" xmlns="" w="9525">
+              <a14:hiddenLine xmlns="" xmlns:a14="http://schemas.microsoft.com/office/drawing/2010/main" w="9525">
                 <a:solidFill>
                   <a:srgbClr val="000000"/>
                 </a:solidFill>
@@ -1352,14 +1802,14 @@
           </a:ln>
           <a:extLst>
             <a:ext uri="{909E8E84-426E-40dd-AFC4-6F175D3DCCD1}">
-              <a14:hiddenFill xmlns:a14="http://schemas.microsoft.com/office/drawing/2010/main" xmlns="">
+              <a14:hiddenFill xmlns="" xmlns:a14="http://schemas.microsoft.com/office/drawing/2010/main">
                 <a:solidFill>
                   <a:srgbClr val="FFFFFF"/>
                 </a:solidFill>
               </a14:hiddenFill>
             </a:ext>
             <a:ext uri="{91240B29-F687-4f45-9708-019B960494DF}">
-              <a14:hiddenLine xmlns:a14="http://schemas.microsoft.com/office/drawing/2010/main" xmlns="" w="9525">
+              <a14:hiddenLine xmlns="" xmlns:a14="http://schemas.microsoft.com/office/drawing/2010/main" w="9525">
                 <a:solidFill>
                   <a:srgbClr val="000000"/>
                 </a:solidFill>
@@ -1406,14 +1856,14 @@
           </a:ln>
           <a:extLst>
             <a:ext uri="{909E8E84-426E-40dd-AFC4-6F175D3DCCD1}">
-              <a14:hiddenFill xmlns:a14="http://schemas.microsoft.com/office/drawing/2010/main" xmlns="">
+              <a14:hiddenFill xmlns="" xmlns:a14="http://schemas.microsoft.com/office/drawing/2010/main">
                 <a:solidFill>
                   <a:srgbClr val="FFFFFF"/>
                 </a:solidFill>
               </a14:hiddenFill>
             </a:ext>
             <a:ext uri="{91240B29-F687-4f45-9708-019B960494DF}">
-              <a14:hiddenLine xmlns:a14="http://schemas.microsoft.com/office/drawing/2010/main" xmlns="" w="9525">
+              <a14:hiddenLine xmlns="" xmlns:a14="http://schemas.microsoft.com/office/drawing/2010/main" w="9525">
                 <a:solidFill>
                   <a:srgbClr val="000000"/>
                 </a:solidFill>
@@ -1828,14 +2278,14 @@
           </a:ln>
           <a:extLst>
             <a:ext uri="{909E8E84-426E-40dd-AFC4-6F175D3DCCD1}">
-              <a14:hiddenFill xmlns:a14="http://schemas.microsoft.com/office/drawing/2010/main" xmlns="">
+              <a14:hiddenFill xmlns="" xmlns:a14="http://schemas.microsoft.com/office/drawing/2010/main">
                 <a:solidFill>
                   <a:srgbClr val="FFFFFF"/>
                 </a:solidFill>
               </a14:hiddenFill>
             </a:ext>
             <a:ext uri="{91240B29-F687-4f45-9708-019B960494DF}">
-              <a14:hiddenLine xmlns:a14="http://schemas.microsoft.com/office/drawing/2010/main" xmlns="" w="9525">
+              <a14:hiddenLine xmlns="" xmlns:a14="http://schemas.microsoft.com/office/drawing/2010/main" w="9525">
                 <a:solidFill>
                   <a:srgbClr val="000000"/>
                 </a:solidFill>
@@ -1974,14 +2424,14 @@
             </a:ln>
             <a:extLst>
               <a:ext uri="{909E8E84-426E-40dd-AFC4-6F175D3DCCD1}">
-                <a14:hiddenFill xmlns:a14="http://schemas.microsoft.com/office/drawing/2010/main" xmlns="">
+                <a14:hiddenFill xmlns="" xmlns:a14="http://schemas.microsoft.com/office/drawing/2010/main">
                   <a:solidFill>
                     <a:srgbClr val="FFFFFF"/>
                   </a:solidFill>
                 </a14:hiddenFill>
               </a:ext>
               <a:ext uri="{91240B29-F687-4f45-9708-019B960494DF}">
-                <a14:hiddenLine xmlns:a14="http://schemas.microsoft.com/office/drawing/2010/main" xmlns="" w="9525">
+                <a14:hiddenLine xmlns="" xmlns:a14="http://schemas.microsoft.com/office/drawing/2010/main" w="9525">
                   <a:solidFill>
                     <a:srgbClr val="000000"/>
                   </a:solidFill>
@@ -2018,14 +2468,14 @@
           </a:ln>
           <a:extLst>
             <a:ext uri="{909E8E84-426E-40dd-AFC4-6F175D3DCCD1}">
-              <a14:hiddenFill xmlns:a14="http://schemas.microsoft.com/office/drawing/2010/main" xmlns="">
+              <a14:hiddenFill xmlns="" xmlns:a14="http://schemas.microsoft.com/office/drawing/2010/main">
                 <a:solidFill>
                   <a:srgbClr val="FFFFFF"/>
                 </a:solidFill>
               </a14:hiddenFill>
             </a:ext>
             <a:ext uri="{91240B29-F687-4f45-9708-019B960494DF}">
-              <a14:hiddenLine xmlns:a14="http://schemas.microsoft.com/office/drawing/2010/main" xmlns="" w="9525">
+              <a14:hiddenLine xmlns="" xmlns:a14="http://schemas.microsoft.com/office/drawing/2010/main" w="9525">
                 <a:solidFill>
                   <a:srgbClr val="000000"/>
                 </a:solidFill>
@@ -2076,14 +2526,14 @@
           </a:ln>
           <a:extLst>
             <a:ext uri="{909E8E84-426E-40dd-AFC4-6F175D3DCCD1}">
-              <a14:hiddenFill xmlns:a14="http://schemas.microsoft.com/office/drawing/2010/main" xmlns="">
+              <a14:hiddenFill xmlns="" xmlns:a14="http://schemas.microsoft.com/office/drawing/2010/main">
                 <a:solidFill>
                   <a:srgbClr val="FFFFFF"/>
                 </a:solidFill>
               </a14:hiddenFill>
             </a:ext>
             <a:ext uri="{91240B29-F687-4f45-9708-019B960494DF}">
-              <a14:hiddenLine xmlns:a14="http://schemas.microsoft.com/office/drawing/2010/main" xmlns="" w="9525">
+              <a14:hiddenLine xmlns="" xmlns:a14="http://schemas.microsoft.com/office/drawing/2010/main" w="9525">
                 <a:solidFill>
                   <a:srgbClr val="000000"/>
                 </a:solidFill>
@@ -3081,7 +3531,7 @@
           <a:graphicData uri="http://schemas.openxmlformats.org/presentationml/2006/ole">
             <mc:AlternateContent xmlns:mc="http://schemas.openxmlformats.org/markup-compatibility/2006">
               <mc:Choice xmlns:v="urn:schemas-microsoft-com:vml" Requires="v">
-                <p:oleObj spid="_x0000_s57349" name="Document" r:id="rId3" imgW="5943600" imgH="5359400" progId="Word.Document.12">
+                <p:oleObj spid="_x0000_s57350" name="Document" r:id="rId3" imgW="5943600" imgH="5359400" progId="Word.Document.12">
                   <p:embed/>
                 </p:oleObj>
               </mc:Choice>
@@ -3459,7 +3909,7 @@
         </p:nvSpPr>
         <p:spPr>
           <a:xfrm>
-            <a:off x="609601" y="27500"/>
+            <a:off x="99759" y="-166404"/>
             <a:ext cx="11377084" cy="1143000"/>
           </a:xfrm>
         </p:spPr>
@@ -3710,12 +4160,12 @@
           <a:graphicData uri="http://schemas.openxmlformats.org/presentationml/2006/ole">
             <mc:AlternateContent xmlns:mc="http://schemas.openxmlformats.org/markup-compatibility/2006">
               <mc:Choice xmlns:v="urn:schemas-microsoft-com:vml" Requires="v">
-                <p:oleObj spid="_x0000_s59399" name="Document" r:id="rId3" imgW="5943600" imgH="889000" progId="Word.Document.12">
+                <p:oleObj spid="_x0000_s59401" name="Document" r:id="rId4" imgW="5943600" imgH="889000" progId="Word.Document.12">
                   <p:embed/>
                 </p:oleObj>
               </mc:Choice>
               <mc:Fallback>
-                <p:oleObj name="Document" r:id="rId3" imgW="5943600" imgH="889000" progId="Word.Document.12">
+                <p:oleObj name="Document" r:id="rId4" imgW="5943600" imgH="889000" progId="Word.Document.12">
                   <p:embed/>
                   <p:pic>
                     <p:nvPicPr>
@@ -3724,7 +4174,7 @@
                       <p:nvPr/>
                     </p:nvPicPr>
                     <p:blipFill>
-                      <a:blip r:embed="rId4"/>
+                      <a:blip r:embed="rId5"/>
                       <a:stretch>
                         <a:fillRect/>
                       </a:stretch>
@@ -3773,14 +4223,14 @@
           </a:ln>
           <a:extLst>
             <a:ext uri="{909E8E84-426E-40dd-AFC4-6F175D3DCCD1}">
-              <a14:hiddenFill xmlns:a14="http://schemas.microsoft.com/office/drawing/2010/main" xmlns="">
+              <a14:hiddenFill xmlns="" xmlns:a14="http://schemas.microsoft.com/office/drawing/2010/main">
                 <a:solidFill>
                   <a:srgbClr val="FFFFFF"/>
                 </a:solidFill>
               </a14:hiddenFill>
             </a:ext>
             <a:ext uri="{91240B29-F687-4f45-9708-019B960494DF}">
-              <a14:hiddenLine xmlns:a14="http://schemas.microsoft.com/office/drawing/2010/main" xmlns="" w="9525">
+              <a14:hiddenLine xmlns="" xmlns:a14="http://schemas.microsoft.com/office/drawing/2010/main" w="9525">
                 <a:solidFill>
                   <a:srgbClr val="000000"/>
                 </a:solidFill>
@@ -4001,12 +4451,12 @@
           <a:graphicData uri="http://schemas.openxmlformats.org/presentationml/2006/ole">
             <mc:AlternateContent xmlns:mc="http://schemas.openxmlformats.org/markup-compatibility/2006">
               <mc:Choice xmlns:v="urn:schemas-microsoft-com:vml" Requires="v">
-                <p:oleObj spid="_x0000_s59400" name="Document" r:id="rId5" imgW="5943600" imgH="863600" progId="Word.Document.12">
+                <p:oleObj spid="_x0000_s59402" name="Document" r:id="rId6" imgW="5943600" imgH="863600" progId="Word.Document.12">
                   <p:embed/>
                 </p:oleObj>
               </mc:Choice>
               <mc:Fallback>
-                <p:oleObj name="Document" r:id="rId5" imgW="5943600" imgH="863600" progId="Word.Document.12">
+                <p:oleObj name="Document" r:id="rId6" imgW="5943600" imgH="863600" progId="Word.Document.12">
                   <p:embed/>
                   <p:pic>
                     <p:nvPicPr>
@@ -4015,7 +4465,7 @@
                       <p:nvPr/>
                     </p:nvPicPr>
                     <p:blipFill>
-                      <a:blip r:embed="rId6"/>
+                      <a:blip r:embed="rId7"/>
                       <a:stretch>
                         <a:fillRect/>
                       </a:stretch>
@@ -4707,7 +5157,7 @@
           <a:graphicData uri="http://schemas.openxmlformats.org/presentationml/2006/ole">
             <mc:AlternateContent xmlns:mc="http://schemas.openxmlformats.org/markup-compatibility/2006">
               <mc:Choice xmlns:v="urn:schemas-microsoft-com:vml" Requires="v">
-                <p:oleObj spid="_x0000_s33834" r:id="rId4" imgW="7315200" imgH="4978400" progId="Equation.2">
+                <p:oleObj spid="_x0000_s33836" r:id="rId4" imgW="7315200" imgH="4978400" progId="Equation.2">
                   <p:embed/>
                 </p:oleObj>
               </mc:Choice>
@@ -4780,7 +5230,7 @@
           <a:graphicData uri="http://schemas.openxmlformats.org/presentationml/2006/ole">
             <mc:AlternateContent xmlns:mc="http://schemas.openxmlformats.org/markup-compatibility/2006">
               <mc:Choice xmlns:v="urn:schemas-microsoft-com:vml" Requires="v">
-                <p:oleObj spid="_x0000_s33835" r:id="rId6" imgW="7315200" imgH="4978400" progId="Equation.2">
+                <p:oleObj spid="_x0000_s33837" r:id="rId6" imgW="7315200" imgH="4978400" progId="Equation.2">
                   <p:embed/>
                 </p:oleObj>
               </mc:Choice>
@@ -4877,7 +5327,12 @@
             <p:ph type="title"/>
           </p:nvPr>
         </p:nvSpPr>
-        <p:spPr/>
+        <p:spPr>
+          <a:xfrm>
+            <a:off x="609601" y="290680"/>
+            <a:ext cx="11377084" cy="1143000"/>
+          </a:xfrm>
+        </p:spPr>
         <p:txBody>
           <a:bodyPr/>
           <a:lstStyle/>
@@ -5936,7 +6391,7 @@
           <a:graphicData uri="http://schemas.openxmlformats.org/presentationml/2006/ole">
             <mc:AlternateContent xmlns:mc="http://schemas.openxmlformats.org/markup-compatibility/2006">
               <mc:Choice xmlns:v="urn:schemas-microsoft-com:vml" Requires="v">
-                <p:oleObj spid="_x0000_s47121" r:id="rId4" imgW="1308100" imgH="279400" progId="Equation.2">
+                <p:oleObj spid="_x0000_s47123" r:id="rId4" imgW="1308100" imgH="279400" progId="Equation.2">
                   <p:embed/>
                 </p:oleObj>
               </mc:Choice>
@@ -6009,7 +6464,7 @@
           <a:graphicData uri="http://schemas.openxmlformats.org/presentationml/2006/ole">
             <mc:AlternateContent xmlns:mc="http://schemas.openxmlformats.org/markup-compatibility/2006">
               <mc:Choice xmlns:v="urn:schemas-microsoft-com:vml" Requires="v">
-                <p:oleObj spid="_x0000_s47122" r:id="rId6" imgW="7315200" imgH="4978400" progId="Equation.2">
+                <p:oleObj spid="_x0000_s47124" r:id="rId6" imgW="7315200" imgH="4978400" progId="Equation.2">
                   <p:embed/>
                 </p:oleObj>
               </mc:Choice>
@@ -6197,6 +6652,10 @@
             </a:r>
           </a:p>
           <a:p>
+            <a:r>
+              <a:rPr lang="en-US" altLang="zh-CN" sz="2400" dirty="0"/>
+              <a:t>4</a:t>
+            </a:r>
             <a:endParaRPr lang="en-GB" sz="2400" dirty="0"/>
           </a:p>
           <a:p>
@@ -6424,7 +6883,7 @@
           <p:nvPr/>
         </p:nvPicPr>
         <p:blipFill>
-          <a:blip r:embed="rId3">
+          <a:blip r:embed="rId4">
             <a:extLst>
               <a:ext uri="{28A0092B-C50C-407E-A947-70E740481C1C}">
                 <a14:useLocalDpi xmlns:a14="http://schemas.microsoft.com/office/drawing/2010/main" val="0"/>
@@ -6547,12 +7006,12 @@
           <a:graphicData uri="http://schemas.openxmlformats.org/presentationml/2006/ole">
             <mc:AlternateContent xmlns:mc="http://schemas.openxmlformats.org/markup-compatibility/2006">
               <mc:Choice xmlns:v="urn:schemas-microsoft-com:vml" Requires="v">
-                <p:oleObj spid="_x0000_s48143" r:id="rId4" imgW="622300" imgH="254000" progId="Equation.2">
+                <p:oleObj spid="_x0000_s48144" r:id="rId5" imgW="622300" imgH="254000" progId="Equation.2">
                   <p:embed/>
                 </p:oleObj>
               </mc:Choice>
               <mc:Fallback>
-                <p:oleObj r:id="rId4" imgW="622300" imgH="254000" progId="Equation.2">
+                <p:oleObj r:id="rId5" imgW="622300" imgH="254000" progId="Equation.2">
                   <p:embed/>
                   <p:pic>
                     <p:nvPicPr>
@@ -6563,7 +7022,7 @@
                       <p:nvPr/>
                     </p:nvPicPr>
                     <p:blipFill>
-                      <a:blip r:embed="rId5">
+                      <a:blip r:embed="rId6">
                         <a:extLst>
                           <a:ext uri="{28A0092B-C50C-407E-A947-70E740481C1C}">
                             <a14:useLocalDpi xmlns:a14="http://schemas.microsoft.com/office/drawing/2010/main" val="0"/>
@@ -6905,7 +7364,7 @@
           <p:nvPr/>
         </p:nvPicPr>
         <p:blipFill>
-          <a:blip r:embed="rId3">
+          <a:blip r:embed="rId4">
             <a:extLst>
               <a:ext uri="{28A0092B-C50C-407E-A947-70E740481C1C}">
                 <a14:useLocalDpi xmlns:a14="http://schemas.microsoft.com/office/drawing/2010/main" val="0"/>
@@ -7028,12 +7487,12 @@
           <a:graphicData uri="http://schemas.openxmlformats.org/presentationml/2006/ole">
             <mc:AlternateContent xmlns:mc="http://schemas.openxmlformats.org/markup-compatibility/2006">
               <mc:Choice xmlns:v="urn:schemas-microsoft-com:vml" Requires="v">
-                <p:oleObj spid="_x0000_s50186" name="Document" r:id="rId4" imgW="5943600" imgH="3797300" progId="Word.Document.12">
+                <p:oleObj spid="_x0000_s50187" name="Document" r:id="rId5" imgW="5943600" imgH="3797300" progId="Word.Document.12">
                   <p:embed/>
                 </p:oleObj>
               </mc:Choice>
               <mc:Fallback>
-                <p:oleObj name="Document" r:id="rId4" imgW="5943600" imgH="3797300" progId="Word.Document.12">
+                <p:oleObj name="Document" r:id="rId5" imgW="5943600" imgH="3797300" progId="Word.Document.12">
                   <p:embed/>
                   <p:pic>
                     <p:nvPicPr>
@@ -7042,7 +7501,7 @@
                       <p:nvPr/>
                     </p:nvPicPr>
                     <p:blipFill>
-                      <a:blip r:embed="rId5"/>
+                      <a:blip r:embed="rId6"/>
                       <a:stretch>
                         <a:fillRect/>
                       </a:stretch>
@@ -7376,7 +7835,7 @@
           <p:nvPr/>
         </p:nvPicPr>
         <p:blipFill>
-          <a:blip r:embed="rId3">
+          <a:blip r:embed="rId4">
             <a:extLst>
               <a:ext uri="{28A0092B-C50C-407E-A947-70E740481C1C}">
                 <a14:useLocalDpi xmlns:a14="http://schemas.microsoft.com/office/drawing/2010/main" val="0"/>
@@ -7499,12 +7958,12 @@
           <a:graphicData uri="http://schemas.openxmlformats.org/presentationml/2006/ole">
             <mc:AlternateContent xmlns:mc="http://schemas.openxmlformats.org/markup-compatibility/2006">
               <mc:Choice xmlns:v="urn:schemas-microsoft-com:vml" Requires="v">
-                <p:oleObj spid="_x0000_s52233" name="Document" r:id="rId4" imgW="5943600" imgH="3759200" progId="Word.Document.12">
+                <p:oleObj spid="_x0000_s52234" name="Document" r:id="rId5" imgW="5943600" imgH="3759200" progId="Word.Document.12">
                   <p:embed/>
                 </p:oleObj>
               </mc:Choice>
               <mc:Fallback>
-                <p:oleObj name="Document" r:id="rId4" imgW="5943600" imgH="3759200" progId="Word.Document.12">
+                <p:oleObj name="Document" r:id="rId5" imgW="5943600" imgH="3759200" progId="Word.Document.12">
                   <p:embed/>
                   <p:pic>
                     <p:nvPicPr>
@@ -7513,7 +7972,7 @@
                       <p:nvPr/>
                     </p:nvPicPr>
                     <p:blipFill>
-                      <a:blip r:embed="rId5"/>
+                      <a:blip r:embed="rId6"/>
                       <a:stretch>
                         <a:fillRect/>
                       </a:stretch>
@@ -8056,20 +8515,20 @@
           <p:nvPr>
             <p:extLst>
               <p:ext uri="{D42A27DB-BD31-4B8C-83A1-F6EECF244321}">
-                <p14:modId xmlns:p14="http://schemas.microsoft.com/office/powerpoint/2010/main" val="995502509"/>
+                <p14:modId xmlns:p14="http://schemas.microsoft.com/office/powerpoint/2010/main" val="1551509820"/>
               </p:ext>
             </p:extLst>
           </p:nvPr>
         </p:nvGraphicFramePr>
         <p:xfrm>
-          <a:off x="2963563" y="3551923"/>
+          <a:off x="2751528" y="3485824"/>
           <a:ext cx="6398202" cy="2679589"/>
         </p:xfrm>
         <a:graphic>
           <a:graphicData uri="http://schemas.openxmlformats.org/presentationml/2006/ole">
             <mc:AlternateContent xmlns:mc="http://schemas.openxmlformats.org/markup-compatibility/2006">
               <mc:Choice xmlns:v="urn:schemas-microsoft-com:vml" Requires="v">
-                <p:oleObj spid="_x0000_s54280" name="Document" r:id="rId3" imgW="5943600" imgH="2489200" progId="Word.Document.12">
+                <p:oleObj spid="_x0000_s54281" name="Document" r:id="rId3" imgW="5943600" imgH="2489200" progId="Word.Document.12">
                   <p:embed/>
                 </p:oleObj>
               </mc:Choice>
@@ -8090,7 +8549,7 @@
                     </p:blipFill>
                     <p:spPr>
                       <a:xfrm>
-                        <a:off x="2963563" y="3551923"/>
+                        <a:off x="2751528" y="3485824"/>
                         <a:ext cx="6398202" cy="2679589"/>
                       </a:xfrm>
                       <a:prstGeom prst="rect">
